--- a/MEMENTO.pptx
+++ b/MEMENTO.pptx
@@ -292,7 +292,7 @@
               <a:rPr lang="uk-UA" smtClean="0">
                 <a:latin typeface="Palatino Linotype" panose="02040502050505030304" pitchFamily="18" charset="0"/>
               </a:rPr>
-              <a:t>14.09.2020</a:t>
+              <a:t>15.09.2020</a:t>
             </a:fld>
             <a:endParaRPr lang="uk-UA" dirty="0">
               <a:latin typeface="Palatino Linotype" panose="02040502050505030304" pitchFamily="18" charset="0"/>
@@ -472,7 +472,7 @@
           <a:p>
             <a:fld id="{2EF58428-EF96-401D-BC06-886ED79A806C}" type="datetime1">
               <a:rPr lang="uk-UA" noProof="0" smtClean="0"/>
-              <a:t>14.09.2020</a:t>
+              <a:t>15.09.2020</a:t>
             </a:fld>
             <a:endParaRPr lang="uk-UA" noProof="0"/>
           </a:p>
@@ -1917,7 +1917,7 @@
           <a:p>
             <a:fld id="{A2D50B9A-5A36-4F96-ABBD-169D5061A60A}" type="datetime1">
               <a:rPr lang="uk-UA" smtClean="0"/>
-              <a:t>14.09.2020</a:t>
+              <a:t>15.09.2020</a:t>
             </a:fld>
             <a:endParaRPr lang="uk-UA" dirty="0"/>
           </a:p>
@@ -1966,18 +1966,6 @@
   <p:clrMapOvr>
     <a:masterClrMapping/>
   </p:clrMapOvr>
-  <mc:AlternateContent xmlns:mc="http://schemas.openxmlformats.org/markup-compatibility/2006" xmlns:p14="http://schemas.microsoft.com/office/powerpoint/2010/main">
-    <mc:Choice Requires="p14">
-      <p:transition spd="med" p14:dur="700">
-        <p:fade/>
-      </p:transition>
-    </mc:Choice>
-    <mc:Fallback xmlns="">
-      <p:transition spd="med">
-        <p:fade/>
-      </p:transition>
-    </mc:Fallback>
-  </mc:AlternateContent>
 </p:sldLayout>
 </file>
 
@@ -2159,7 +2147,7 @@
           <a:p>
             <a:fld id="{339C0CC8-C036-4AE3-8BC6-010F375AC153}" type="datetime1">
               <a:rPr lang="uk-UA" smtClean="0"/>
-              <a:t>14.09.2020</a:t>
+              <a:t>15.09.2020</a:t>
             </a:fld>
             <a:endParaRPr lang="uk-UA" dirty="0"/>
           </a:p>
@@ -2205,18 +2193,6 @@
   <p:clrMapOvr>
     <a:masterClrMapping/>
   </p:clrMapOvr>
-  <mc:AlternateContent xmlns:mc="http://schemas.openxmlformats.org/markup-compatibility/2006" xmlns:p14="http://schemas.microsoft.com/office/powerpoint/2010/main">
-    <mc:Choice Requires="p14">
-      <p:transition spd="med" p14:dur="700">
-        <p:fade/>
-      </p:transition>
-    </mc:Choice>
-    <mc:Fallback xmlns="">
-      <p:transition spd="med">
-        <p:fade/>
-      </p:transition>
-    </mc:Fallback>
-  </mc:AlternateContent>
 </p:sldLayout>
 </file>
 
@@ -2408,7 +2384,7 @@
           <a:p>
             <a:fld id="{9FC27C7B-8F2F-4862-9ADA-9117286FAE0F}" type="datetime1">
               <a:rPr lang="uk-UA" smtClean="0"/>
-              <a:t>14.09.2020</a:t>
+              <a:t>15.09.2020</a:t>
             </a:fld>
             <a:endParaRPr lang="uk-UA" dirty="0"/>
           </a:p>
@@ -2454,18 +2430,6 @@
   <p:clrMapOvr>
     <a:masterClrMapping/>
   </p:clrMapOvr>
-  <mc:AlternateContent xmlns:mc="http://schemas.openxmlformats.org/markup-compatibility/2006" xmlns:p14="http://schemas.microsoft.com/office/powerpoint/2010/main">
-    <mc:Choice Requires="p14">
-      <p:transition spd="med" p14:dur="700">
-        <p:fade/>
-      </p:transition>
-    </mc:Choice>
-    <mc:Fallback xmlns="">
-      <p:transition spd="med">
-        <p:fade/>
-      </p:transition>
-    </mc:Fallback>
-  </mc:AlternateContent>
 </p:sldLayout>
 </file>
 
@@ -2691,7 +2655,7 @@
           <a:p>
             <a:fld id="{AE75621D-215E-4E0E-B62C-E06CD97086C6}" type="datetime1">
               <a:rPr lang="uk-UA" smtClean="0"/>
-              <a:t>14.09.2020</a:t>
+              <a:t>15.09.2020</a:t>
             </a:fld>
             <a:endParaRPr lang="uk-UA" dirty="0"/>
           </a:p>
@@ -2737,18 +2701,6 @@
   <p:clrMapOvr>
     <a:masterClrMapping/>
   </p:clrMapOvr>
-  <mc:AlternateContent xmlns:mc="http://schemas.openxmlformats.org/markup-compatibility/2006" xmlns:p14="http://schemas.microsoft.com/office/powerpoint/2010/main">
-    <mc:Choice Requires="p14">
-      <p:transition spd="med" p14:dur="700">
-        <p:fade/>
-      </p:transition>
-    </mc:Choice>
-    <mc:Fallback xmlns="">
-      <p:transition spd="med">
-        <p:fade/>
-      </p:transition>
-    </mc:Fallback>
-  </mc:AlternateContent>
 </p:sldLayout>
 </file>
 
@@ -3144,7 +3096,7 @@
           <a:p>
             <a:fld id="{5CF5A591-02AF-4260-9396-73A6BC65D26B}" type="datetime1">
               <a:rPr lang="uk-UA" smtClean="0"/>
-              <a:t>14.09.2020</a:t>
+              <a:t>15.09.2020</a:t>
             </a:fld>
             <a:endParaRPr lang="uk-UA" dirty="0"/>
           </a:p>
@@ -3190,18 +3142,6 @@
   <p:clrMapOvr>
     <a:masterClrMapping/>
   </p:clrMapOvr>
-  <mc:AlternateContent xmlns:mc="http://schemas.openxmlformats.org/markup-compatibility/2006" xmlns:p14="http://schemas.microsoft.com/office/powerpoint/2010/main">
-    <mc:Choice Requires="p14">
-      <p:transition spd="med" p14:dur="700">
-        <p:fade/>
-      </p:transition>
-    </mc:Choice>
-    <mc:Fallback xmlns="">
-      <p:transition spd="med">
-        <p:fade/>
-      </p:transition>
-    </mc:Fallback>
-  </mc:AlternateContent>
 </p:sldLayout>
 </file>
 
@@ -3481,7 +3421,7 @@
           <a:p>
             <a:fld id="{E137FAB6-1479-42AD-9F91-63E0C5A9B366}" type="datetime1">
               <a:rPr lang="uk-UA" smtClean="0"/>
-              <a:t>14.09.2020</a:t>
+              <a:t>15.09.2020</a:t>
             </a:fld>
             <a:endParaRPr lang="uk-UA" dirty="0"/>
           </a:p>
@@ -3527,18 +3467,6 @@
   <p:clrMapOvr>
     <a:masterClrMapping/>
   </p:clrMapOvr>
-  <mc:AlternateContent xmlns:mc="http://schemas.openxmlformats.org/markup-compatibility/2006" xmlns:p14="http://schemas.microsoft.com/office/powerpoint/2010/main">
-    <mc:Choice Requires="p14">
-      <p:transition spd="med" p14:dur="700">
-        <p:fade/>
-      </p:transition>
-    </mc:Choice>
-    <mc:Fallback xmlns="">
-      <p:transition spd="med">
-        <p:fade/>
-      </p:transition>
-    </mc:Fallback>
-  </mc:AlternateContent>
 </p:sldLayout>
 </file>
 
@@ -3944,7 +3872,7 @@
           <a:p>
             <a:fld id="{1CDAA0A1-7249-4029-8095-9A631CA52E50}" type="datetime1">
               <a:rPr lang="uk-UA" smtClean="0"/>
-              <a:t>14.09.2020</a:t>
+              <a:t>15.09.2020</a:t>
             </a:fld>
             <a:endParaRPr lang="uk-UA" dirty="0"/>
           </a:p>
@@ -3990,18 +3918,6 @@
   <p:clrMapOvr>
     <a:masterClrMapping/>
   </p:clrMapOvr>
-  <mc:AlternateContent xmlns:mc="http://schemas.openxmlformats.org/markup-compatibility/2006" xmlns:p14="http://schemas.microsoft.com/office/powerpoint/2010/main">
-    <mc:Choice Requires="p14">
-      <p:transition spd="med" p14:dur="700">
-        <p:fade/>
-      </p:transition>
-    </mc:Choice>
-    <mc:Fallback xmlns="">
-      <p:transition spd="med">
-        <p:fade/>
-      </p:transition>
-    </mc:Fallback>
-  </mc:AlternateContent>
 </p:sldLayout>
 </file>
 
@@ -4110,7 +4026,7 @@
           <a:p>
             <a:fld id="{440DAAF1-7F24-4C55-A47F-7E807EE2CE1A}" type="datetime1">
               <a:rPr lang="uk-UA" smtClean="0"/>
-              <a:t>14.09.2020</a:t>
+              <a:t>15.09.2020</a:t>
             </a:fld>
             <a:endParaRPr lang="uk-UA" dirty="0"/>
           </a:p>
@@ -4156,18 +4072,6 @@
   <p:clrMapOvr>
     <a:masterClrMapping/>
   </p:clrMapOvr>
-  <mc:AlternateContent xmlns:mc="http://schemas.openxmlformats.org/markup-compatibility/2006" xmlns:p14="http://schemas.microsoft.com/office/powerpoint/2010/main">
-    <mc:Choice Requires="p14">
-      <p:transition spd="med" p14:dur="700">
-        <p:fade/>
-      </p:transition>
-    </mc:Choice>
-    <mc:Fallback xmlns="">
-      <p:transition spd="med">
-        <p:fade/>
-      </p:transition>
-    </mc:Fallback>
-  </mc:AlternateContent>
 </p:sldLayout>
 </file>
 
@@ -4240,7 +4144,7 @@
           <a:p>
             <a:fld id="{A3C64103-528A-4D67-ABC9-34DD823E7082}" type="datetime1">
               <a:rPr lang="uk-UA" smtClean="0"/>
-              <a:t>14.09.2020</a:t>
+              <a:t>15.09.2020</a:t>
             </a:fld>
             <a:endParaRPr lang="uk-UA" dirty="0"/>
           </a:p>
@@ -4286,18 +4190,6 @@
   <p:clrMapOvr>
     <a:masterClrMapping/>
   </p:clrMapOvr>
-  <mc:AlternateContent xmlns:mc="http://schemas.openxmlformats.org/markup-compatibility/2006" xmlns:p14="http://schemas.microsoft.com/office/powerpoint/2010/main">
-    <mc:Choice Requires="p14">
-      <p:transition spd="med" p14:dur="700">
-        <p:fade/>
-      </p:transition>
-    </mc:Choice>
-    <mc:Fallback xmlns="">
-      <p:transition spd="med">
-        <p:fade/>
-      </p:transition>
-    </mc:Fallback>
-  </mc:AlternateContent>
 </p:sldLayout>
 </file>
 
@@ -4577,7 +4469,7 @@
           <a:p>
             <a:fld id="{4FF338AC-DD91-4283-8F28-F1C153E6C964}" type="datetime1">
               <a:rPr lang="uk-UA" smtClean="0"/>
-              <a:t>14.09.2020</a:t>
+              <a:t>15.09.2020</a:t>
             </a:fld>
             <a:endParaRPr lang="uk-UA" dirty="0"/>
           </a:p>
@@ -4623,18 +4515,6 @@
   <p:clrMapOvr>
     <a:masterClrMapping/>
   </p:clrMapOvr>
-  <mc:AlternateContent xmlns:mc="http://schemas.openxmlformats.org/markup-compatibility/2006" xmlns:p14="http://schemas.microsoft.com/office/powerpoint/2010/main">
-    <mc:Choice Requires="p14">
-      <p:transition spd="med" p14:dur="700">
-        <p:fade/>
-      </p:transition>
-    </mc:Choice>
-    <mc:Fallback xmlns="">
-      <p:transition spd="med">
-        <p:fade/>
-      </p:transition>
-    </mc:Fallback>
-  </mc:AlternateContent>
 </p:sldLayout>
 </file>
 
@@ -4896,7 +4776,7 @@
           <a:p>
             <a:fld id="{99B0A08C-131C-4FDE-B83F-DE6E2BE0D15B}" type="datetime1">
               <a:rPr lang="uk-UA" smtClean="0"/>
-              <a:t>14.09.2020</a:t>
+              <a:t>15.09.2020</a:t>
             </a:fld>
             <a:endParaRPr lang="uk-UA" dirty="0"/>
           </a:p>
@@ -4942,18 +4822,6 @@
   <p:clrMapOvr>
     <a:masterClrMapping/>
   </p:clrMapOvr>
-  <mc:AlternateContent xmlns:mc="http://schemas.openxmlformats.org/markup-compatibility/2006" xmlns:p14="http://schemas.microsoft.com/office/powerpoint/2010/main">
-    <mc:Choice Requires="p14">
-      <p:transition spd="med" p14:dur="700">
-        <p:fade/>
-      </p:transition>
-    </mc:Choice>
-    <mc:Fallback xmlns="">
-      <p:transition spd="med">
-        <p:fade/>
-      </p:transition>
-    </mc:Fallback>
-  </mc:AlternateContent>
 </p:sldLayout>
 </file>
 
@@ -5267,7 +5135,7 @@
           <a:p>
             <a:fld id="{C89D8319-4044-421B-9C19-F71372C52425}" type="datetime1">
               <a:rPr lang="uk-UA" smtClean="0"/>
-              <a:t>14.09.2020</a:t>
+              <a:t>15.09.2020</a:t>
             </a:fld>
             <a:endParaRPr lang="uk-UA" dirty="0"/>
           </a:p>
@@ -5335,18 +5203,6 @@
     <p:sldLayoutId id="2147483682" r:id="rId10"/>
     <p:sldLayoutId id="2147483683" r:id="rId11"/>
   </p:sldLayoutIdLst>
-  <mc:AlternateContent xmlns:mc="http://schemas.openxmlformats.org/markup-compatibility/2006" xmlns:p14="http://schemas.microsoft.com/office/powerpoint/2010/main">
-    <mc:Choice Requires="p14">
-      <p:transition spd="med" p14:dur="700">
-        <p:fade/>
-      </p:transition>
-    </mc:Choice>
-    <mc:Fallback xmlns="">
-      <p:transition spd="med">
-        <p:fade/>
-      </p:transition>
-    </mc:Fallback>
-  </mc:AlternateContent>
   <p:hf sldNum="0" hdr="0" ftr="0" dt="0"/>
   <p:txStyles>
     <p:titleStyle>
@@ -5699,18 +5555,6 @@
   <p:clrMapOvr>
     <a:masterClrMapping/>
   </p:clrMapOvr>
-  <mc:AlternateContent xmlns:mc="http://schemas.openxmlformats.org/markup-compatibility/2006" xmlns:p14="http://schemas.microsoft.com/office/powerpoint/2010/main">
-    <mc:Choice Requires="p14">
-      <p:transition spd="med" p14:dur="700">
-        <p:fade/>
-      </p:transition>
-    </mc:Choice>
-    <mc:Fallback xmlns="">
-      <p:transition spd="med">
-        <p:fade/>
-      </p:transition>
-    </mc:Fallback>
-  </mc:AlternateContent>
 </p:sld>
 </file>
 
@@ -5768,8 +5612,8 @@
         </p:nvSpPr>
         <p:spPr>
           <a:xfrm>
-            <a:off x="609600" y="1600201"/>
-            <a:ext cx="10972800" cy="1427671"/>
+            <a:off x="609600" y="1944191"/>
+            <a:ext cx="8591550" cy="1943099"/>
           </a:xfrm>
         </p:spPr>
         <p:txBody>
@@ -5919,7 +5763,7 @@
         </p:nvSpPr>
         <p:spPr>
           <a:xfrm>
-            <a:off x="730370" y="3459192"/>
+            <a:off x="609600" y="4231282"/>
             <a:ext cx="5365630" cy="1631216"/>
           </a:xfrm>
           <a:prstGeom prst="rect">
@@ -5983,7 +5827,7 @@
         </p:nvSpPr>
         <p:spPr>
           <a:xfrm>
-            <a:off x="6349042" y="3459192"/>
+            <a:off x="6228272" y="4231282"/>
             <a:ext cx="4744529" cy="2246769"/>
           </a:xfrm>
           <a:prstGeom prst="rect">
@@ -6054,6 +5898,53 @@
           </a:p>
         </p:txBody>
       </p:sp>
+      <p:pic>
+        <p:nvPicPr>
+          <p:cNvPr id="2050" name="Picture 2" descr="Anki — Википедия">
+            <a:extLst>
+              <a:ext uri="{FF2B5EF4-FFF2-40B4-BE49-F238E27FC236}">
+                <a16:creationId xmlns:a16="http://schemas.microsoft.com/office/drawing/2014/main" id="{92AC1558-949E-429A-936F-344A6D92C5A4}"/>
+              </a:ext>
+            </a:extLst>
+          </p:cNvPr>
+          <p:cNvPicPr>
+            <a:picLocks noChangeAspect="1" noChangeArrowheads="1"/>
+          </p:cNvPicPr>
+          <p:nvPr/>
+        </p:nvPicPr>
+        <p:blipFill>
+          <a:blip r:embed="rId3">
+            <a:extLst>
+              <a:ext uri="{28A0092B-C50C-407E-A947-70E740481C1C}">
+                <a14:useLocalDpi xmlns:a14="http://schemas.microsoft.com/office/drawing/2010/main" val="0"/>
+              </a:ext>
+            </a:extLst>
+          </a:blip>
+          <a:srcRect/>
+          <a:stretch>
+            <a:fillRect/>
+          </a:stretch>
+        </p:blipFill>
+        <p:spPr bwMode="auto">
+          <a:xfrm>
+            <a:off x="9201150" y="1481451"/>
+            <a:ext cx="2577835" cy="2577835"/>
+          </a:xfrm>
+          <a:prstGeom prst="rect">
+            <a:avLst/>
+          </a:prstGeom>
+          <a:noFill/>
+          <a:extLst>
+            <a:ext uri="{909E8E84-426E-40DD-AFC4-6F175D3DCCD1}">
+              <a14:hiddenFill xmlns:a14="http://schemas.microsoft.com/office/drawing/2010/main">
+                <a:solidFill>
+                  <a:srgbClr val="FFFFFF"/>
+                </a:solidFill>
+              </a14:hiddenFill>
+            </a:ext>
+          </a:extLst>
+        </p:spPr>
+      </p:pic>
     </p:spTree>
     <p:extLst>
       <p:ext uri="{BB962C8B-B14F-4D97-AF65-F5344CB8AC3E}">
@@ -6064,18 +5955,6 @@
   <p:clrMapOvr>
     <a:masterClrMapping/>
   </p:clrMapOvr>
-  <mc:AlternateContent xmlns:mc="http://schemas.openxmlformats.org/markup-compatibility/2006" xmlns:p14="http://schemas.microsoft.com/office/powerpoint/2010/main">
-    <mc:Choice Requires="p14">
-      <p:transition spd="med" p14:dur="700">
-        <p:fade/>
-      </p:transition>
-    </mc:Choice>
-    <mc:Fallback xmlns="">
-      <p:transition spd="med">
-        <p:fade/>
-      </p:transition>
-    </mc:Fallback>
-  </mc:AlternateContent>
 </p:sld>
 </file>
 
@@ -6137,18 +6016,6 @@
   <p:clrMapOvr>
     <a:masterClrMapping/>
   </p:clrMapOvr>
-  <mc:AlternateContent xmlns:mc="http://schemas.openxmlformats.org/markup-compatibility/2006" xmlns:p14="http://schemas.microsoft.com/office/powerpoint/2010/main">
-    <mc:Choice Requires="p14">
-      <p:transition spd="med" p14:dur="700">
-        <p:fade/>
-      </p:transition>
-    </mc:Choice>
-    <mc:Fallback xmlns="">
-      <p:transition spd="med">
-        <p:fade/>
-      </p:transition>
-    </mc:Fallback>
-  </mc:AlternateContent>
 </p:sld>
 </file>
 
@@ -6195,22 +6062,283 @@
           </a:p>
         </p:txBody>
       </p:sp>
-      <p:sp>
-        <p:nvSpPr>
-          <p:cNvPr id="3" name="Місце для вмісту 2"/>
-          <p:cNvSpPr>
-            <a:spLocks noGrp="1"/>
-          </p:cNvSpPr>
-          <p:nvPr>
-            <p:ph idx="1"/>
-          </p:nvPr>
-        </p:nvSpPr>
-        <p:spPr/>
-        <p:txBody>
-          <a:bodyPr rtlCol="0"/>
+      <p:pic>
+        <p:nvPicPr>
+          <p:cNvPr id="1026" name="Picture 2">
+            <a:extLst>
+              <a:ext uri="{FF2B5EF4-FFF2-40B4-BE49-F238E27FC236}">
+                <a16:creationId xmlns:a16="http://schemas.microsoft.com/office/drawing/2014/main" id="{E33BA4DC-7B67-4222-86B6-690D02C5C85F}"/>
+              </a:ext>
+            </a:extLst>
+          </p:cNvPr>
+          <p:cNvPicPr>
+            <a:picLocks noChangeAspect="1" noChangeArrowheads="1"/>
+          </p:cNvPicPr>
+          <p:nvPr/>
+        </p:nvPicPr>
+        <p:blipFill>
+          <a:blip r:embed="rId3">
+            <a:extLst>
+              <a:ext uri="{28A0092B-C50C-407E-A947-70E740481C1C}">
+                <a14:useLocalDpi xmlns:a14="http://schemas.microsoft.com/office/drawing/2010/main" val="0"/>
+              </a:ext>
+            </a:extLst>
+          </a:blip>
+          <a:srcRect/>
+          <a:stretch>
+            <a:fillRect/>
+          </a:stretch>
+        </p:blipFill>
+        <p:spPr bwMode="auto">
+          <a:xfrm>
+            <a:off x="2327169" y="1600200"/>
+            <a:ext cx="2631176" cy="2038021"/>
+          </a:xfrm>
+          <a:prstGeom prst="rect">
+            <a:avLst/>
+          </a:prstGeom>
+          <a:noFill/>
+          <a:extLst>
+            <a:ext uri="{909E8E84-426E-40DD-AFC4-6F175D3DCCD1}">
+              <a14:hiddenFill xmlns:a14="http://schemas.microsoft.com/office/drawing/2010/main">
+                <a:solidFill>
+                  <a:srgbClr val="FFFFFF"/>
+                </a:solidFill>
+              </a14:hiddenFill>
+            </a:ext>
+          </a:extLst>
+        </p:spPr>
+      </p:pic>
+      <p:sp>
+        <p:nvSpPr>
+          <p:cNvPr id="4" name="Прямокутник 3">
+            <a:extLst>
+              <a:ext uri="{FF2B5EF4-FFF2-40B4-BE49-F238E27FC236}">
+                <a16:creationId xmlns:a16="http://schemas.microsoft.com/office/drawing/2014/main" id="{61FE4EAF-B0FE-4C8E-8AEF-7344386CD109}"/>
+              </a:ext>
+            </a:extLst>
+          </p:cNvPr>
+          <p:cNvSpPr/>
+          <p:nvPr/>
+        </p:nvSpPr>
+        <p:spPr>
+          <a:xfrm>
+            <a:off x="2184294" y="3710730"/>
+            <a:ext cx="3025187" cy="369332"/>
+          </a:xfrm>
+          <a:prstGeom prst="rect">
+            <a:avLst/>
+          </a:prstGeom>
+        </p:spPr>
+        <p:txBody>
+          <a:bodyPr wrap="none">
+            <a:spAutoFit/>
+          </a:bodyPr>
           <a:lstStyle/>
           <a:p>
-            <a:pPr rtl="0"/>
+            <a:r>
+              <a:rPr lang="uk-UA" dirty="0">
+                <a:latin typeface="Palatino Linotype" panose="02040502050505030304" pitchFamily="18" charset="0"/>
+              </a:rPr>
+              <a:t>Пилипчук Сергій-Олексій</a:t>
+            </a:r>
+          </a:p>
+        </p:txBody>
+      </p:sp>
+      <p:pic>
+        <p:nvPicPr>
+          <p:cNvPr id="5" name="Рисунок 4">
+            <a:extLst>
+              <a:ext uri="{FF2B5EF4-FFF2-40B4-BE49-F238E27FC236}">
+                <a16:creationId xmlns:a16="http://schemas.microsoft.com/office/drawing/2014/main" id="{A3398ADB-B8DD-45A2-A88F-7EB22C126AC7}"/>
+              </a:ext>
+            </a:extLst>
+          </p:cNvPr>
+          <p:cNvPicPr>
+            <a:picLocks noChangeAspect="1"/>
+          </p:cNvPicPr>
+          <p:nvPr/>
+        </p:nvPicPr>
+        <p:blipFill rotWithShape="1">
+          <a:blip r:embed="rId4"/>
+          <a:srcRect b="20258"/>
+          <a:stretch/>
+        </p:blipFill>
+        <p:spPr>
+          <a:xfrm>
+            <a:off x="5292764" y="1600200"/>
+            <a:ext cx="1968225" cy="2038021"/>
+          </a:xfrm>
+          <a:prstGeom prst="rect">
+            <a:avLst/>
+          </a:prstGeom>
+        </p:spPr>
+      </p:pic>
+      <p:sp>
+        <p:nvSpPr>
+          <p:cNvPr id="6" name="Прямокутник 5">
+            <a:extLst>
+              <a:ext uri="{FF2B5EF4-FFF2-40B4-BE49-F238E27FC236}">
+                <a16:creationId xmlns:a16="http://schemas.microsoft.com/office/drawing/2014/main" id="{2136244F-75EB-4692-BF5B-008D4A8D1EFE}"/>
+              </a:ext>
+            </a:extLst>
+          </p:cNvPr>
+          <p:cNvSpPr/>
+          <p:nvPr/>
+        </p:nvSpPr>
+        <p:spPr>
+          <a:xfrm>
+            <a:off x="5241395" y="3687989"/>
+            <a:ext cx="2206053" cy="369332"/>
+          </a:xfrm>
+          <a:prstGeom prst="rect">
+            <a:avLst/>
+          </a:prstGeom>
+        </p:spPr>
+        <p:txBody>
+          <a:bodyPr wrap="none">
+            <a:spAutoFit/>
+          </a:bodyPr>
+          <a:lstStyle/>
+          <a:p>
+            <a:r>
+              <a:rPr lang="uk-UA" dirty="0">
+                <a:latin typeface="Palatino Linotype" panose="02040502050505030304" pitchFamily="18" charset="0"/>
+              </a:rPr>
+              <a:t>Гордійчук Дмитро</a:t>
+            </a:r>
+          </a:p>
+        </p:txBody>
+      </p:sp>
+      <p:pic>
+        <p:nvPicPr>
+          <p:cNvPr id="7" name="Рисунок 6">
+            <a:extLst>
+              <a:ext uri="{FF2B5EF4-FFF2-40B4-BE49-F238E27FC236}">
+                <a16:creationId xmlns:a16="http://schemas.microsoft.com/office/drawing/2014/main" id="{6605B2F1-3EDD-4E5F-A4FC-D1A83EDA1055}"/>
+              </a:ext>
+            </a:extLst>
+          </p:cNvPr>
+          <p:cNvPicPr>
+            <a:picLocks noChangeAspect="1"/>
+          </p:cNvPicPr>
+          <p:nvPr/>
+        </p:nvPicPr>
+        <p:blipFill>
+          <a:blip r:embed="rId5"/>
+          <a:stretch>
+            <a:fillRect/>
+          </a:stretch>
+        </p:blipFill>
+        <p:spPr>
+          <a:xfrm>
+            <a:off x="7454273" y="1590675"/>
+            <a:ext cx="1777526" cy="2047546"/>
+          </a:xfrm>
+          <a:prstGeom prst="rect">
+            <a:avLst/>
+          </a:prstGeom>
+        </p:spPr>
+      </p:pic>
+      <p:sp>
+        <p:nvSpPr>
+          <p:cNvPr id="8" name="Прямокутник 7">
+            <a:extLst>
+              <a:ext uri="{FF2B5EF4-FFF2-40B4-BE49-F238E27FC236}">
+                <a16:creationId xmlns:a16="http://schemas.microsoft.com/office/drawing/2014/main" id="{92BFF442-70BB-4165-843F-743CBCE76B5E}"/>
+              </a:ext>
+            </a:extLst>
+          </p:cNvPr>
+          <p:cNvSpPr/>
+          <p:nvPr/>
+        </p:nvSpPr>
+        <p:spPr>
+          <a:xfrm>
+            <a:off x="7396706" y="3695741"/>
+            <a:ext cx="1976823" cy="369332"/>
+          </a:xfrm>
+          <a:prstGeom prst="rect">
+            <a:avLst/>
+          </a:prstGeom>
+        </p:spPr>
+        <p:txBody>
+          <a:bodyPr wrap="none">
+            <a:spAutoFit/>
+          </a:bodyPr>
+          <a:lstStyle/>
+          <a:p>
+            <a:r>
+              <a:rPr lang="uk-UA" dirty="0">
+                <a:latin typeface="Palatino Linotype" panose="02040502050505030304" pitchFamily="18" charset="0"/>
+              </a:rPr>
+              <a:t>Шимків Максим</a:t>
+            </a:r>
+          </a:p>
+        </p:txBody>
+      </p:sp>
+      <p:sp>
+        <p:nvSpPr>
+          <p:cNvPr id="9" name="Прямокутник 8">
+            <a:extLst>
+              <a:ext uri="{FF2B5EF4-FFF2-40B4-BE49-F238E27FC236}">
+                <a16:creationId xmlns:a16="http://schemas.microsoft.com/office/drawing/2014/main" id="{2AC975B6-6C21-4D2B-BA2C-FF5393A2A95E}"/>
+              </a:ext>
+            </a:extLst>
+          </p:cNvPr>
+          <p:cNvSpPr/>
+          <p:nvPr/>
+        </p:nvSpPr>
+        <p:spPr>
+          <a:xfrm>
+            <a:off x="3928333" y="6337835"/>
+            <a:ext cx="1901483" cy="369332"/>
+          </a:xfrm>
+          <a:prstGeom prst="rect">
+            <a:avLst/>
+          </a:prstGeom>
+        </p:spPr>
+        <p:txBody>
+          <a:bodyPr wrap="none">
+            <a:spAutoFit/>
+          </a:bodyPr>
+          <a:lstStyle/>
+          <a:p>
+            <a:r>
+              <a:rPr lang="uk-UA" dirty="0">
+                <a:latin typeface="Palatino Linotype" panose="02040502050505030304" pitchFamily="18" charset="0"/>
+              </a:rPr>
+              <a:t>Подоляк Артем</a:t>
+            </a:r>
+          </a:p>
+        </p:txBody>
+      </p:sp>
+      <p:sp>
+        <p:nvSpPr>
+          <p:cNvPr id="10" name="Прямокутник 9">
+            <a:extLst>
+              <a:ext uri="{FF2B5EF4-FFF2-40B4-BE49-F238E27FC236}">
+                <a16:creationId xmlns:a16="http://schemas.microsoft.com/office/drawing/2014/main" id="{E51F429F-ABB3-4D55-A5ED-8DAB8C8B21D5}"/>
+              </a:ext>
+            </a:extLst>
+          </p:cNvPr>
+          <p:cNvSpPr/>
+          <p:nvPr/>
+        </p:nvSpPr>
+        <p:spPr>
+          <a:xfrm>
+            <a:off x="6163091" y="6338682"/>
+            <a:ext cx="2661698" cy="381805"/>
+          </a:xfrm>
+          <a:prstGeom prst="rect">
+            <a:avLst/>
+          </a:prstGeom>
+        </p:spPr>
+        <p:txBody>
+          <a:bodyPr wrap="square">
+            <a:spAutoFit/>
+          </a:bodyPr>
+          <a:lstStyle/>
+          <a:p>
             <a:r>
               <a:rPr lang="uk-UA" dirty="0">
                 <a:latin typeface="Palatino Linotype" panose="02040502050505030304" pitchFamily="18" charset="0"/>
@@ -6218,50 +6346,68 @@
               <a:t>Бондаренко Анастасія</a:t>
             </a:r>
           </a:p>
-          <a:p>
-            <a:pPr rtl="0"/>
-            <a:r>
-              <a:rPr lang="uk-UA" dirty="0">
-                <a:latin typeface="Palatino Linotype" panose="02040502050505030304" pitchFamily="18" charset="0"/>
-              </a:rPr>
-              <a:t>Гордійчук Дмитро</a:t>
-            </a:r>
-          </a:p>
-          <a:p>
-            <a:pPr rtl="0"/>
-            <a:r>
-              <a:rPr lang="uk-UA" dirty="0">
-                <a:latin typeface="Palatino Linotype" panose="02040502050505030304" pitchFamily="18" charset="0"/>
-              </a:rPr>
-              <a:t>Пилипчук Сергій-Олексій</a:t>
-            </a:r>
-          </a:p>
-          <a:p>
-            <a:pPr rtl="0"/>
-            <a:r>
-              <a:rPr lang="uk-UA" dirty="0">
-                <a:latin typeface="Palatino Linotype" panose="02040502050505030304" pitchFamily="18" charset="0"/>
-              </a:rPr>
-              <a:t>Подоляк Артем</a:t>
-            </a:r>
-          </a:p>
-          <a:p>
-            <a:pPr rtl="0"/>
-            <a:r>
-              <a:rPr lang="uk-UA" dirty="0">
-                <a:latin typeface="Palatino Linotype" panose="02040502050505030304" pitchFamily="18" charset="0"/>
-              </a:rPr>
-              <a:t>Шимків Максим</a:t>
-            </a:r>
-          </a:p>
-          <a:p>
-            <a:pPr rtl="0"/>
-            <a:endParaRPr lang="uk-UA" dirty="0">
-              <a:latin typeface="Palatino Linotype" panose="02040502050505030304" pitchFamily="18" charset="0"/>
-            </a:endParaRPr>
-          </a:p>
-        </p:txBody>
-      </p:sp>
+        </p:txBody>
+      </p:sp>
+      <p:pic>
+        <p:nvPicPr>
+          <p:cNvPr id="15" name="Рисунок 14">
+            <a:extLst>
+              <a:ext uri="{FF2B5EF4-FFF2-40B4-BE49-F238E27FC236}">
+                <a16:creationId xmlns:a16="http://schemas.microsoft.com/office/drawing/2014/main" id="{C3D45A3C-84AB-492E-AA29-F912420CA1D1}"/>
+              </a:ext>
+            </a:extLst>
+          </p:cNvPr>
+          <p:cNvPicPr>
+            <a:picLocks noChangeAspect="1"/>
+          </p:cNvPicPr>
+          <p:nvPr/>
+        </p:nvPicPr>
+        <p:blipFill>
+          <a:blip r:embed="rId6"/>
+          <a:stretch>
+            <a:fillRect/>
+          </a:stretch>
+        </p:blipFill>
+        <p:spPr>
+          <a:xfrm>
+            <a:off x="3795782" y="4143125"/>
+            <a:ext cx="2166586" cy="2190592"/>
+          </a:xfrm>
+          <a:prstGeom prst="rect">
+            <a:avLst/>
+          </a:prstGeom>
+        </p:spPr>
+      </p:pic>
+      <p:pic>
+        <p:nvPicPr>
+          <p:cNvPr id="17" name="Рисунок 16">
+            <a:extLst>
+              <a:ext uri="{FF2B5EF4-FFF2-40B4-BE49-F238E27FC236}">
+                <a16:creationId xmlns:a16="http://schemas.microsoft.com/office/drawing/2014/main" id="{AC427219-6618-42C2-AAF4-8C8E948A1368}"/>
+              </a:ext>
+            </a:extLst>
+          </p:cNvPr>
+          <p:cNvPicPr>
+            <a:picLocks noChangeAspect="1"/>
+          </p:cNvPicPr>
+          <p:nvPr/>
+        </p:nvPicPr>
+        <p:blipFill>
+          <a:blip r:embed="rId7"/>
+          <a:stretch>
+            <a:fillRect/>
+          </a:stretch>
+        </p:blipFill>
+        <p:spPr>
+          <a:xfrm>
+            <a:off x="6267352" y="4143125"/>
+            <a:ext cx="1981964" cy="2154556"/>
+          </a:xfrm>
+          <a:prstGeom prst="rect">
+            <a:avLst/>
+          </a:prstGeom>
+        </p:spPr>
+      </p:pic>
     </p:spTree>
     <p:extLst>
       <p:ext uri="{BB962C8B-B14F-4D97-AF65-F5344CB8AC3E}">
@@ -6272,18 +6418,6 @@
   <p:clrMapOvr>
     <a:masterClrMapping/>
   </p:clrMapOvr>
-  <mc:AlternateContent xmlns:mc="http://schemas.openxmlformats.org/markup-compatibility/2006" xmlns:p14="http://schemas.microsoft.com/office/powerpoint/2010/main">
-    <mc:Choice Requires="p14">
-      <p:transition spd="med" p14:dur="700">
-        <p:fade/>
-      </p:transition>
-    </mc:Choice>
-    <mc:Fallback xmlns="">
-      <p:transition spd="med">
-        <p:fade/>
-      </p:transition>
-    </mc:Fallback>
-  </mc:AlternateContent>
 </p:sld>
 </file>
 
@@ -6462,18 +6596,6 @@
   <p:clrMapOvr>
     <a:masterClrMapping/>
   </p:clrMapOvr>
-  <mc:AlternateContent xmlns:mc="http://schemas.openxmlformats.org/markup-compatibility/2006" xmlns:p14="http://schemas.microsoft.com/office/powerpoint/2010/main">
-    <mc:Choice Requires="p14">
-      <p:transition spd="med" p14:dur="700">
-        <p:fade/>
-      </p:transition>
-    </mc:Choice>
-    <mc:Fallback xmlns="">
-      <p:transition spd="med">
-        <p:fade/>
-      </p:transition>
-    </mc:Fallback>
-  </mc:AlternateContent>
 </p:sld>
 </file>
 
@@ -6568,18 +6690,6 @@
   <p:clrMapOvr>
     <a:masterClrMapping/>
   </p:clrMapOvr>
-  <mc:AlternateContent xmlns:mc="http://schemas.openxmlformats.org/markup-compatibility/2006" xmlns:p14="http://schemas.microsoft.com/office/powerpoint/2010/main">
-    <mc:Choice Requires="p14">
-      <p:transition spd="med" p14:dur="700">
-        <p:fade/>
-      </p:transition>
-    </mc:Choice>
-    <mc:Fallback xmlns="">
-      <p:transition spd="med">
-        <p:fade/>
-      </p:transition>
-    </mc:Fallback>
-  </mc:AlternateContent>
 </p:sld>
 </file>
 
@@ -6689,18 +6799,6 @@
   <p:clrMapOvr>
     <a:masterClrMapping/>
   </p:clrMapOvr>
-  <mc:AlternateContent xmlns:mc="http://schemas.openxmlformats.org/markup-compatibility/2006" xmlns:p14="http://schemas.microsoft.com/office/powerpoint/2010/main">
-    <mc:Choice Requires="p14">
-      <p:transition spd="med" p14:dur="700">
-        <p:fade/>
-      </p:transition>
-    </mc:Choice>
-    <mc:Fallback xmlns="">
-      <p:transition spd="med">
-        <p:fade/>
-      </p:transition>
-    </mc:Fallback>
-  </mc:AlternateContent>
 </p:sld>
 </file>
 
@@ -6824,18 +6922,6 @@
   <p:clrMapOvr>
     <a:masterClrMapping/>
   </p:clrMapOvr>
-  <mc:AlternateContent xmlns:mc="http://schemas.openxmlformats.org/markup-compatibility/2006" xmlns:p14="http://schemas.microsoft.com/office/powerpoint/2010/main">
-    <mc:Choice Requires="p14">
-      <p:transition spd="med" p14:dur="700">
-        <p:fade/>
-      </p:transition>
-    </mc:Choice>
-    <mc:Fallback xmlns="">
-      <p:transition spd="med">
-        <p:fade/>
-      </p:transition>
-    </mc:Fallback>
-  </mc:AlternateContent>
 </p:sld>
 </file>
 
@@ -6922,6 +7008,53 @@
           </a:p>
         </p:txBody>
       </p:sp>
+      <p:pic>
+        <p:nvPicPr>
+          <p:cNvPr id="5122" name="Picture 2" descr="80/20 Japanese Anki Pack User Guide - 80/20 Japanese">
+            <a:extLst>
+              <a:ext uri="{FF2B5EF4-FFF2-40B4-BE49-F238E27FC236}">
+                <a16:creationId xmlns:a16="http://schemas.microsoft.com/office/drawing/2014/main" id="{EEB2BA8A-973A-40E7-8BF7-7AA21917D235}"/>
+              </a:ext>
+            </a:extLst>
+          </p:cNvPr>
+          <p:cNvPicPr>
+            <a:picLocks noChangeAspect="1" noChangeArrowheads="1"/>
+          </p:cNvPicPr>
+          <p:nvPr/>
+        </p:nvPicPr>
+        <p:blipFill>
+          <a:blip r:embed="rId3">
+            <a:extLst>
+              <a:ext uri="{28A0092B-C50C-407E-A947-70E740481C1C}">
+                <a14:useLocalDpi xmlns:a14="http://schemas.microsoft.com/office/drawing/2010/main" val="0"/>
+              </a:ext>
+            </a:extLst>
+          </a:blip>
+          <a:srcRect/>
+          <a:stretch>
+            <a:fillRect/>
+          </a:stretch>
+        </p:blipFill>
+        <p:spPr bwMode="auto">
+          <a:xfrm>
+            <a:off x="3952875" y="3429000"/>
+            <a:ext cx="3829050" cy="3403600"/>
+          </a:xfrm>
+          <a:prstGeom prst="rect">
+            <a:avLst/>
+          </a:prstGeom>
+          <a:noFill/>
+          <a:extLst>
+            <a:ext uri="{909E8E84-426E-40DD-AFC4-6F175D3DCCD1}">
+              <a14:hiddenFill xmlns:a14="http://schemas.microsoft.com/office/drawing/2010/main">
+                <a:solidFill>
+                  <a:srgbClr val="FFFFFF"/>
+                </a:solidFill>
+              </a14:hiddenFill>
+            </a:ext>
+          </a:extLst>
+        </p:spPr>
+      </p:pic>
     </p:spTree>
     <p:extLst>
       <p:ext uri="{BB962C8B-B14F-4D97-AF65-F5344CB8AC3E}">
@@ -6932,18 +7065,6 @@
   <p:clrMapOvr>
     <a:masterClrMapping/>
   </p:clrMapOvr>
-  <mc:AlternateContent xmlns:mc="http://schemas.openxmlformats.org/markup-compatibility/2006" xmlns:p14="http://schemas.microsoft.com/office/powerpoint/2010/main">
-    <mc:Choice Requires="p14">
-      <p:transition spd="med" p14:dur="700">
-        <p:fade/>
-      </p:transition>
-    </mc:Choice>
-    <mc:Fallback xmlns="">
-      <p:transition spd="med">
-        <p:fade/>
-      </p:transition>
-    </mc:Fallback>
-  </mc:AlternateContent>
 </p:sld>
 </file>
 
@@ -7001,12 +7122,14 @@
         </p:nvSpPr>
         <p:spPr>
           <a:xfrm>
-            <a:off x="609600" y="1600201"/>
-            <a:ext cx="10972800" cy="1427671"/>
+            <a:off x="615531" y="2133600"/>
+            <a:ext cx="8328444" cy="1532181"/>
           </a:xfrm>
         </p:spPr>
         <p:txBody>
-          <a:bodyPr rtlCol="0"/>
+          <a:bodyPr rtlCol="0">
+            <a:normAutofit lnSpcReduction="10000"/>
+          </a:bodyPr>
           <a:lstStyle/>
           <a:p>
             <a:pPr marL="0" indent="0">
@@ -7145,7 +7268,7 @@
         </p:nvSpPr>
         <p:spPr>
           <a:xfrm>
-            <a:off x="730370" y="3459192"/>
+            <a:off x="730370" y="4303691"/>
             <a:ext cx="5365630" cy="1908215"/>
           </a:xfrm>
           <a:prstGeom prst="rect">
@@ -7226,7 +7349,7 @@
         </p:nvSpPr>
         <p:spPr>
           <a:xfrm>
-            <a:off x="6349042" y="3459192"/>
+            <a:off x="6349042" y="4303691"/>
             <a:ext cx="4744529" cy="1015663"/>
           </a:xfrm>
           <a:prstGeom prst="rect">
@@ -7272,6 +7395,53 @@
           </a:p>
         </p:txBody>
       </p:sp>
+      <p:pic>
+        <p:nvPicPr>
+          <p:cNvPr id="4098" name="Picture 2" descr="Приложения в Google Play – Учи английский и другие языки с Memrise">
+            <a:extLst>
+              <a:ext uri="{FF2B5EF4-FFF2-40B4-BE49-F238E27FC236}">
+                <a16:creationId xmlns:a16="http://schemas.microsoft.com/office/drawing/2014/main" id="{16737F2C-A357-4975-8E35-F44928DF2F8C}"/>
+              </a:ext>
+            </a:extLst>
+          </p:cNvPr>
+          <p:cNvPicPr>
+            <a:picLocks noChangeAspect="1" noChangeArrowheads="1"/>
+          </p:cNvPicPr>
+          <p:nvPr/>
+        </p:nvPicPr>
+        <p:blipFill>
+          <a:blip r:embed="rId3">
+            <a:extLst>
+              <a:ext uri="{28A0092B-C50C-407E-A947-70E740481C1C}">
+                <a14:useLocalDpi xmlns:a14="http://schemas.microsoft.com/office/drawing/2010/main" val="0"/>
+              </a:ext>
+            </a:extLst>
+          </a:blip>
+          <a:srcRect/>
+          <a:stretch>
+            <a:fillRect/>
+          </a:stretch>
+        </p:blipFill>
+        <p:spPr bwMode="auto">
+          <a:xfrm>
+            <a:off x="8943975" y="1689211"/>
+            <a:ext cx="2295525" cy="2295525"/>
+          </a:xfrm>
+          <a:prstGeom prst="rect">
+            <a:avLst/>
+          </a:prstGeom>
+          <a:noFill/>
+          <a:extLst>
+            <a:ext uri="{909E8E84-426E-40DD-AFC4-6F175D3DCCD1}">
+              <a14:hiddenFill xmlns:a14="http://schemas.microsoft.com/office/drawing/2010/main">
+                <a:solidFill>
+                  <a:srgbClr val="FFFFFF"/>
+                </a:solidFill>
+              </a14:hiddenFill>
+            </a:ext>
+          </a:extLst>
+        </p:spPr>
+      </p:pic>
     </p:spTree>
     <p:extLst>
       <p:ext uri="{BB962C8B-B14F-4D97-AF65-F5344CB8AC3E}">
@@ -7282,18 +7452,6 @@
   <p:clrMapOvr>
     <a:masterClrMapping/>
   </p:clrMapOvr>
-  <mc:AlternateContent xmlns:mc="http://schemas.openxmlformats.org/markup-compatibility/2006" xmlns:p14="http://schemas.microsoft.com/office/powerpoint/2010/main">
-    <mc:Choice Requires="p14">
-      <p:transition spd="med" p14:dur="700">
-        <p:fade/>
-      </p:transition>
-    </mc:Choice>
-    <mc:Fallback xmlns="">
-      <p:transition spd="med">
-        <p:fade/>
-      </p:transition>
-    </mc:Fallback>
-  </mc:AlternateContent>
 </p:sld>
 </file>
 
@@ -7351,13 +7509,13 @@
         </p:nvSpPr>
         <p:spPr>
           <a:xfrm>
-            <a:off x="609600" y="1600201"/>
-            <a:ext cx="10972800" cy="1427671"/>
+            <a:off x="609600" y="2066926"/>
+            <a:ext cx="7524750" cy="1362074"/>
           </a:xfrm>
         </p:spPr>
         <p:txBody>
           <a:bodyPr rtlCol="0">
-            <a:normAutofit/>
+            <a:normAutofit fontScale="92500" lnSpcReduction="10000"/>
           </a:bodyPr>
           <a:lstStyle/>
           <a:p>
@@ -7496,7 +7654,7 @@
         </p:nvSpPr>
         <p:spPr>
           <a:xfrm>
-            <a:off x="730370" y="3459192"/>
+            <a:off x="609600" y="4242136"/>
             <a:ext cx="5365630" cy="1631216"/>
           </a:xfrm>
           <a:prstGeom prst="rect">
@@ -7604,7 +7762,7 @@
         </p:nvSpPr>
         <p:spPr>
           <a:xfrm>
-            <a:off x="6349042" y="3459192"/>
+            <a:off x="6228272" y="4242136"/>
             <a:ext cx="4744529" cy="1015663"/>
           </a:xfrm>
           <a:prstGeom prst="rect">
@@ -7650,6 +7808,53 @@
           </a:p>
         </p:txBody>
       </p:sp>
+      <p:pic>
+        <p:nvPicPr>
+          <p:cNvPr id="3074" name="Picture 2" descr="Quizlet — карточки для изучения языков">
+            <a:extLst>
+              <a:ext uri="{FF2B5EF4-FFF2-40B4-BE49-F238E27FC236}">
+                <a16:creationId xmlns:a16="http://schemas.microsoft.com/office/drawing/2014/main" id="{0D8D7CA4-556F-43C4-BDF4-F0A25E4B1ED2}"/>
+              </a:ext>
+            </a:extLst>
+          </p:cNvPr>
+          <p:cNvPicPr>
+            <a:picLocks noChangeAspect="1" noChangeArrowheads="1"/>
+          </p:cNvPicPr>
+          <p:nvPr/>
+        </p:nvPicPr>
+        <p:blipFill>
+          <a:blip r:embed="rId3">
+            <a:extLst>
+              <a:ext uri="{28A0092B-C50C-407E-A947-70E740481C1C}">
+                <a14:useLocalDpi xmlns:a14="http://schemas.microsoft.com/office/drawing/2010/main" val="0"/>
+              </a:ext>
+            </a:extLst>
+          </a:blip>
+          <a:srcRect/>
+          <a:stretch>
+            <a:fillRect/>
+          </a:stretch>
+        </p:blipFill>
+        <p:spPr bwMode="auto">
+          <a:xfrm>
+            <a:off x="8230051" y="2066926"/>
+            <a:ext cx="3695249" cy="1740965"/>
+          </a:xfrm>
+          <a:prstGeom prst="rect">
+            <a:avLst/>
+          </a:prstGeom>
+          <a:noFill/>
+          <a:extLst>
+            <a:ext uri="{909E8E84-426E-40DD-AFC4-6F175D3DCCD1}">
+              <a14:hiddenFill xmlns:a14="http://schemas.microsoft.com/office/drawing/2010/main">
+                <a:solidFill>
+                  <a:srgbClr val="FFFFFF"/>
+                </a:solidFill>
+              </a14:hiddenFill>
+            </a:ext>
+          </a:extLst>
+        </p:spPr>
+      </p:pic>
     </p:spTree>
     <p:extLst>
       <p:ext uri="{BB962C8B-B14F-4D97-AF65-F5344CB8AC3E}">
@@ -7660,18 +7865,6 @@
   <p:clrMapOvr>
     <a:masterClrMapping/>
   </p:clrMapOvr>
-  <mc:AlternateContent xmlns:mc="http://schemas.openxmlformats.org/markup-compatibility/2006" xmlns:p14="http://schemas.microsoft.com/office/powerpoint/2010/main">
-    <mc:Choice Requires="p14">
-      <p:transition spd="med" p14:dur="700">
-        <p:fade/>
-      </p:transition>
-    </mc:Choice>
-    <mc:Fallback xmlns="">
-      <p:transition spd="med">
-        <p:fade/>
-      </p:transition>
-    </mc:Fallback>
-  </mc:AlternateContent>
 </p:sld>
 </file>
 
